--- a/Linkedin_column_template.pptx
+++ b/Linkedin_column_template.pptx
@@ -113,6 +113,35 @@
     </p:ext>
   </p:extLst>
 </p:presentation>
+</file>
+
+<file path=ppt/changesInfos/changesInfo1.xml><?xml version="1.0" encoding="utf-8"?>
+<pc:chgInfo xmlns:a="http://schemas.openxmlformats.org/drawingml/2006/main" xmlns:r="http://schemas.openxmlformats.org/officeDocument/2006/relationships" xmlns:ac="http://schemas.microsoft.com/office/drawing/2013/main/command" xmlns:pc="http://schemas.microsoft.com/office/powerpoint/2013/main/command">
+  <pc:docChgLst>
+    <pc:chgData name="Arbour, Duncan" userId="f8c76c83-f09a-4702-8a60-e00215c8b89f" providerId="ADAL" clId="{9B06BB32-9E7D-B84E-AF6B-DE79642A09EA}"/>
+    <pc:docChg chg="modSld">
+      <pc:chgData name="Arbour, Duncan" userId="f8c76c83-f09a-4702-8a60-e00215c8b89f" providerId="ADAL" clId="{9B06BB32-9E7D-B84E-AF6B-DE79642A09EA}" dt="2024-09-27T16:40:50.555" v="16" actId="14100"/>
+      <pc:docMkLst>
+        <pc:docMk/>
+      </pc:docMkLst>
+      <pc:sldChg chg="modSp mod">
+        <pc:chgData name="Arbour, Duncan" userId="f8c76c83-f09a-4702-8a60-e00215c8b89f" providerId="ADAL" clId="{9B06BB32-9E7D-B84E-AF6B-DE79642A09EA}" dt="2024-09-27T16:40:50.555" v="16" actId="14100"/>
+        <pc:sldMkLst>
+          <pc:docMk/>
+          <pc:sldMk cId="520181652" sldId="262"/>
+        </pc:sldMkLst>
+        <pc:spChg chg="mod">
+          <ac:chgData name="Arbour, Duncan" userId="f8c76c83-f09a-4702-8a60-e00215c8b89f" providerId="ADAL" clId="{9B06BB32-9E7D-B84E-AF6B-DE79642A09EA}" dt="2024-09-27T16:40:50.555" v="16" actId="14100"/>
+          <ac:spMkLst>
+            <pc:docMk/>
+            <pc:sldMk cId="520181652" sldId="262"/>
+            <ac:spMk id="4" creationId="{8B983F2A-0752-2538-60E7-2D40E4A1FE3C}"/>
+          </ac:spMkLst>
+        </pc:spChg>
+      </pc:sldChg>
+    </pc:docChg>
+  </pc:docChgLst>
+</pc:chgInfo>
 </file>
 
 <file path=ppt/notesMasters/notesMaster1.xml><?xml version="1.0" encoding="utf-8"?>
@@ -1551,7 +1580,12 @@
             <p:ph sz="quarter" idx="11"/>
           </p:nvPr>
         </p:nvSpPr>
-        <p:spPr/>
+        <p:spPr>
+          <a:xfrm>
+            <a:off x="631825" y="1112494"/>
+            <a:ext cx="10928350" cy="5619609"/>
+          </a:xfrm>
+        </p:spPr>
         <p:txBody>
           <a:bodyPr>
             <a:normAutofit/>
@@ -1567,22 +1601,14 @@
               </a:spcAft>
             </a:pPr>
             <a:r>
-              <a:rPr lang="en-GB" sz="1800" kern="100">
+              <a:rPr lang="en-GB" sz="900" kern="100" dirty="0" err="1">
                 <a:latin typeface="Aptos" panose="020B0004020202020204" pitchFamily="34" charset="0"/>
                 <a:ea typeface="PMingLiU" panose="02020500000000000000" pitchFamily="18" charset="-120"/>
                 <a:cs typeface="Arial" panose="020B0604020202020204" pitchFamily="34" charset="0"/>
               </a:rPr>
-              <a:t>Report_</a:t>
+              <a:t>Report_text</a:t>
             </a:r>
-            <a:r>
-              <a:rPr lang="en-GB" sz="1800" kern="100" dirty="0" err="1">
-                <a:latin typeface="Aptos" panose="020B0004020202020204" pitchFamily="34" charset="0"/>
-                <a:ea typeface="PMingLiU" panose="02020500000000000000" pitchFamily="18" charset="-120"/>
-                <a:cs typeface="Arial" panose="020B0604020202020204" pitchFamily="34" charset="0"/>
-              </a:rPr>
-              <a:t>text</a:t>
-            </a:r>
-            <a:endParaRPr lang="en-GB" sz="1200" kern="100" dirty="0">
+            <a:endParaRPr lang="en-GB" sz="900" kern="100" dirty="0">
               <a:effectLst/>
               <a:latin typeface="Aptos" panose="020B0004020202020204" pitchFamily="34" charset="0"/>
               <a:ea typeface="PMingLiU" panose="02020500000000000000" pitchFamily="18" charset="-120"/>
@@ -2304,12 +2330,14 @@
 </file>
 
 <file path=customXml/item1.xml><?xml version="1.0" encoding="utf-8"?>
-<?mso-contentType ?>
-<FormTemplates xmlns="http://schemas.microsoft.com/sharepoint/v3/contenttype/forms">
-  <Display>DocumentLibraryForm</Display>
-  <Edit>DocumentLibraryForm</Edit>
-  <New>DocumentLibraryForm</New>
-</FormTemplates>
+<p:properties xmlns:p="http://schemas.microsoft.com/office/2006/metadata/properties" xmlns:xsi="http://www.w3.org/2001/XMLSchema-instance" xmlns:pc="http://schemas.microsoft.com/office/infopath/2007/PartnerControls">
+  <documentManagement>
+    <TaxCatchAll xmlns="9bea065c-4598-471b-a0d8-b208471d6a41" xsi:nil="true"/>
+    <lcf76f155ced4ddcb4097134ff3c332f xmlns="737cdb0d-9f15-48ec-9529-975a91239bb1">
+      <Terms xmlns="http://schemas.microsoft.com/office/infopath/2007/PartnerControls"/>
+    </lcf76f155ced4ddcb4097134ff3c332f>
+  </documentManagement>
+</p:properties>
 </file>
 
 <file path=customXml/item2.xml><?xml version="1.0" encoding="utf-8"?>
@@ -2548,20 +2576,27 @@
 </file>
 
 <file path=customXml/item3.xml><?xml version="1.0" encoding="utf-8"?>
-<p:properties xmlns:p="http://schemas.microsoft.com/office/2006/metadata/properties" xmlns:xsi="http://www.w3.org/2001/XMLSchema-instance" xmlns:pc="http://schemas.microsoft.com/office/infopath/2007/PartnerControls">
-  <documentManagement>
-    <TaxCatchAll xmlns="9bea065c-4598-471b-a0d8-b208471d6a41" xsi:nil="true"/>
-    <lcf76f155ced4ddcb4097134ff3c332f xmlns="737cdb0d-9f15-48ec-9529-975a91239bb1">
-      <Terms xmlns="http://schemas.microsoft.com/office/infopath/2007/PartnerControls"/>
-    </lcf76f155ced4ddcb4097134ff3c332f>
-  </documentManagement>
-</p:properties>
+<?mso-contentType ?>
+<FormTemplates xmlns="http://schemas.microsoft.com/sharepoint/v3/contenttype/forms">
+  <Display>DocumentLibraryForm</Display>
+  <Edit>DocumentLibraryForm</Edit>
+  <New>DocumentLibraryForm</New>
+</FormTemplates>
 </file>
 
 <file path=customXml/itemProps1.xml><?xml version="1.0" encoding="utf-8"?>
-<ds:datastoreItem xmlns:ds="http://schemas.openxmlformats.org/officeDocument/2006/customXml" ds:itemID="{3BB299B6-1159-4940-B296-E198453C8E80}">
+<ds:datastoreItem xmlns:ds="http://schemas.openxmlformats.org/officeDocument/2006/customXml" ds:itemID="{9674E985-4D59-45AB-8970-AD8E2C92CE21}">
   <ds:schemaRefs>
-    <ds:schemaRef ds:uri="http://schemas.microsoft.com/sharepoint/v3/contenttype/forms"/>
+    <ds:schemaRef ds:uri="http://schemas.microsoft.com/office/2006/documentManagement/types"/>
+    <ds:schemaRef ds:uri="http://purl.org/dc/elements/1.1/"/>
+    <ds:schemaRef ds:uri="http://schemas.microsoft.com/office/2006/metadata/properties"/>
+    <ds:schemaRef ds:uri="http://www.w3.org/XML/1998/namespace"/>
+    <ds:schemaRef ds:uri="http://purl.org/dc/terms/"/>
+    <ds:schemaRef ds:uri="9bea065c-4598-471b-a0d8-b208471d6a41"/>
+    <ds:schemaRef ds:uri="http://schemas.microsoft.com/office/infopath/2007/PartnerControls"/>
+    <ds:schemaRef ds:uri="http://schemas.openxmlformats.org/package/2006/metadata/core-properties"/>
+    <ds:schemaRef ds:uri="737cdb0d-9f15-48ec-9529-975a91239bb1"/>
+    <ds:schemaRef ds:uri="http://purl.org/dc/dcmitype/"/>
   </ds:schemaRefs>
 </ds:datastoreItem>
 </file>
@@ -2586,18 +2621,9 @@
 </file>
 
 <file path=customXml/itemProps3.xml><?xml version="1.0" encoding="utf-8"?>
-<ds:datastoreItem xmlns:ds="http://schemas.openxmlformats.org/officeDocument/2006/customXml" ds:itemID="{9674E985-4D59-45AB-8970-AD8E2C92CE21}">
+<ds:datastoreItem xmlns:ds="http://schemas.openxmlformats.org/officeDocument/2006/customXml" ds:itemID="{3BB299B6-1159-4940-B296-E198453C8E80}">
   <ds:schemaRefs>
-    <ds:schemaRef ds:uri="http://schemas.microsoft.com/office/2006/metadata/properties"/>
-    <ds:schemaRef ds:uri="http://schemas.openxmlformats.org/package/2006/metadata/core-properties"/>
-    <ds:schemaRef ds:uri="http://purl.org/dc/terms/"/>
-    <ds:schemaRef ds:uri="http://purl.org/dc/elements/1.1/"/>
-    <ds:schemaRef ds:uri="9bea065c-4598-471b-a0d8-b208471d6a41"/>
-    <ds:schemaRef ds:uri="http://www.w3.org/XML/1998/namespace"/>
-    <ds:schemaRef ds:uri="http://schemas.microsoft.com/office/2006/documentManagement/types"/>
-    <ds:schemaRef ds:uri="737cdb0d-9f15-48ec-9529-975a91239bb1"/>
-    <ds:schemaRef ds:uri="http://schemas.microsoft.com/office/infopath/2007/PartnerControls"/>
-    <ds:schemaRef ds:uri="http://purl.org/dc/dcmitype/"/>
+    <ds:schemaRef ds:uri="http://schemas.microsoft.com/sharepoint/v3/contenttype/forms"/>
   </ds:schemaRefs>
 </ds:datastoreItem>
 </file>